--- a/ppt/03-SpringBoot.pptx
+++ b/ppt/03-SpringBoot.pptx
@@ -532,7 +532,7 @@
         <p:nvSpPr>
           <p:cNvPr id="2052" name="Rectangle 4"/>
           <p:cNvSpPr>
-            <a:spLocks noChangeArrowheads="1" noTextEdit="1"/>
+            <a:spLocks noGrp="1" noRot="1" noChangeAspect="1" noChangeArrowheads="1" noTextEdit="1"/>
           </p:cNvSpPr>
           <p:nvPr>
             <p:ph type="sldImg" idx="2"/>
@@ -3647,7 +3647,7 @@
       </p:sp>
       <p:pic>
         <p:nvPicPr>
-          <p:cNvPr id="4099" name="Picture 5" descr="Logo"/>
+          <p:cNvPr id="1026" name="Picture 2" descr="https://3.bp.blogspot.com/-5xIixgOPrmo/WgzQ4Bca0tI/AAAAAAAABvc/gd0opJDhsCI-S4V7IHmJ09Bvt75Vgud8wCLcBGAs/s320/spring-boot%255B1%255D.png"/>
           <p:cNvPicPr>
             <a:picLocks noChangeAspect="1" noChangeArrowheads="1"/>
           </p:cNvPicPr>
@@ -3668,16 +3668,13 @@
         </p:blipFill>
         <p:spPr bwMode="auto">
           <a:xfrm>
-            <a:off x="3132138" y="2081213"/>
-            <a:ext cx="2559050" cy="720725"/>
+            <a:off x="2915816" y="1988840"/>
+            <a:ext cx="3048000" cy="876300"/>
           </a:xfrm>
           <a:prstGeom prst="rect">
             <a:avLst/>
           </a:prstGeom>
           <a:noFill/>
-          <a:ln>
-            <a:noFill/>
-          </a:ln>
           <a:extLst>
             <a:ext uri="{909E8E84-426E-40DD-AFC4-6F175D3DCCD1}">
               <a14:hiddenFill xmlns:a14="http://schemas.microsoft.com/office/drawing/2010/main">
@@ -3685,16 +3682,6 @@
                   <a:srgbClr val="FFFFFF"/>
                 </a:solidFill>
               </a14:hiddenFill>
-            </a:ext>
-            <a:ext uri="{91240B29-F687-4F45-9708-019B960494DF}">
-              <a14:hiddenLine xmlns:a14="http://schemas.microsoft.com/office/drawing/2010/main" w="9525">
-                <a:solidFill>
-                  <a:srgbClr val="000000"/>
-                </a:solidFill>
-                <a:miter lim="800000"/>
-                <a:headEnd/>
-                <a:tailEnd/>
-              </a14:hiddenLine>
             </a:ext>
           </a:extLst>
         </p:spPr>
@@ -3818,6 +3805,47 @@
           <a:prstGeom prst="rect">
             <a:avLst/>
           </a:prstGeom>
+        </p:spPr>
+      </p:pic>
+      <p:pic>
+        <p:nvPicPr>
+          <p:cNvPr id="5" name="Picture 2" descr="https://3.bp.blogspot.com/-5xIixgOPrmo/WgzQ4Bca0tI/AAAAAAAABvc/gd0opJDhsCI-S4V7IHmJ09Bvt75Vgud8wCLcBGAs/s320/spring-boot%255B1%255D.png"/>
+          <p:cNvPicPr>
+            <a:picLocks noChangeAspect="1" noChangeArrowheads="1"/>
+          </p:cNvPicPr>
+          <p:nvPr/>
+        </p:nvPicPr>
+        <p:blipFill>
+          <a:blip r:embed="rId3">
+            <a:extLst>
+              <a:ext uri="{28A0092B-C50C-407E-A947-70E740481C1C}">
+                <a14:useLocalDpi xmlns:a14="http://schemas.microsoft.com/office/drawing/2010/main" val="0"/>
+              </a:ext>
+            </a:extLst>
+          </a:blip>
+          <a:srcRect/>
+          <a:stretch>
+            <a:fillRect/>
+          </a:stretch>
+        </p:blipFill>
+        <p:spPr bwMode="auto">
+          <a:xfrm>
+            <a:off x="3517224" y="637886"/>
+            <a:ext cx="3048000" cy="876300"/>
+          </a:xfrm>
+          <a:prstGeom prst="rect">
+            <a:avLst/>
+          </a:prstGeom>
+          <a:noFill/>
+          <a:extLst>
+            <a:ext uri="{909E8E84-426E-40DD-AFC4-6F175D3DCCD1}">
+              <a14:hiddenFill xmlns:a14="http://schemas.microsoft.com/office/drawing/2010/main">
+                <a:solidFill>
+                  <a:srgbClr val="FFFFFF"/>
+                </a:solidFill>
+              </a14:hiddenFill>
+            </a:ext>
+          </a:extLst>
         </p:spPr>
       </p:pic>
     </p:spTree>
